--- a/Documentation/Presentations/Presentation - Methodologies.pptx
+++ b/Documentation/Presentations/Presentation - Methodologies.pptx
@@ -8,11 +8,11 @@
     <p:sldId id="256" r:id="rId2"/>
     <p:sldId id="258" r:id="rId3"/>
     <p:sldId id="259" r:id="rId4"/>
-    <p:sldId id="260" r:id="rId5"/>
-    <p:sldId id="261" r:id="rId6"/>
+    <p:sldId id="261" r:id="rId5"/>
+    <p:sldId id="268" r:id="rId6"/>
     <p:sldId id="262" r:id="rId7"/>
-    <p:sldId id="264" r:id="rId8"/>
-    <p:sldId id="263" r:id="rId9"/>
+    <p:sldId id="263" r:id="rId8"/>
+    <p:sldId id="267" r:id="rId9"/>
     <p:sldId id="265" r:id="rId10"/>
     <p:sldId id="266" r:id="rId11"/>
   </p:sldIdLst>
@@ -297,7 +297,8 @@
           <a:p>
             <a:fld id="{B95846D0-04AA-4AEA-B066-EA3DAB98F00F}" type="datetimeFigureOut">
               <a:rPr lang="en-IE" smtClean="0"/>
-              <a:t>26/02/2015</a:t>
+              <a:pPr/>
+              <a:t>27/02/2015</a:t>
             </a:fld>
             <a:endParaRPr lang="en-IE"/>
           </a:p>
@@ -339,6 +340,7 @@
           <a:p>
             <a:fld id="{3F0843C2-5C4D-4D9A-B46B-2F846FCCF3BC}" type="slidenum">
               <a:rPr lang="en-IE" smtClean="0"/>
+              <a:pPr/>
               <a:t>‹#›</a:t>
             </a:fld>
             <a:endParaRPr lang="en-IE"/>
@@ -348,7 +350,7 @@
     </p:spTree>
     <p:extLst>
       <p:ext uri="{BB962C8B-B14F-4D97-AF65-F5344CB8AC3E}">
-        <p14:creationId xmlns:p14="http://schemas.microsoft.com/office/powerpoint/2010/main" val="1677176212"/>
+        <p14:creationId xmlns:p14="http://schemas.microsoft.com/office/powerpoint/2010/main" xmlns="" val="1677176212"/>
       </p:ext>
     </p:extLst>
   </p:cSld>
@@ -467,7 +469,8 @@
           <a:p>
             <a:fld id="{B95846D0-04AA-4AEA-B066-EA3DAB98F00F}" type="datetimeFigureOut">
               <a:rPr lang="en-IE" smtClean="0"/>
-              <a:t>26/02/2015</a:t>
+              <a:pPr/>
+              <a:t>27/02/2015</a:t>
             </a:fld>
             <a:endParaRPr lang="en-IE"/>
           </a:p>
@@ -509,6 +512,7 @@
           <a:p>
             <a:fld id="{3F0843C2-5C4D-4D9A-B46B-2F846FCCF3BC}" type="slidenum">
               <a:rPr lang="en-IE" smtClean="0"/>
+              <a:pPr/>
               <a:t>‹#›</a:t>
             </a:fld>
             <a:endParaRPr lang="en-IE"/>
@@ -518,7 +522,7 @@
     </p:spTree>
     <p:extLst>
       <p:ext uri="{BB962C8B-B14F-4D97-AF65-F5344CB8AC3E}">
-        <p14:creationId xmlns:p14="http://schemas.microsoft.com/office/powerpoint/2010/main" val="241868450"/>
+        <p14:creationId xmlns:p14="http://schemas.microsoft.com/office/powerpoint/2010/main" xmlns="" val="241868450"/>
       </p:ext>
     </p:extLst>
   </p:cSld>
@@ -647,7 +651,8 @@
           <a:p>
             <a:fld id="{B95846D0-04AA-4AEA-B066-EA3DAB98F00F}" type="datetimeFigureOut">
               <a:rPr lang="en-IE" smtClean="0"/>
-              <a:t>26/02/2015</a:t>
+              <a:pPr/>
+              <a:t>27/02/2015</a:t>
             </a:fld>
             <a:endParaRPr lang="en-IE"/>
           </a:p>
@@ -689,6 +694,7 @@
           <a:p>
             <a:fld id="{3F0843C2-5C4D-4D9A-B46B-2F846FCCF3BC}" type="slidenum">
               <a:rPr lang="en-IE" smtClean="0"/>
+              <a:pPr/>
               <a:t>‹#›</a:t>
             </a:fld>
             <a:endParaRPr lang="en-IE"/>
@@ -698,7 +704,7 @@
     </p:spTree>
     <p:extLst>
       <p:ext uri="{BB962C8B-B14F-4D97-AF65-F5344CB8AC3E}">
-        <p14:creationId xmlns:p14="http://schemas.microsoft.com/office/powerpoint/2010/main" val="974930585"/>
+        <p14:creationId xmlns:p14="http://schemas.microsoft.com/office/powerpoint/2010/main" xmlns="" val="974930585"/>
       </p:ext>
     </p:extLst>
   </p:cSld>
@@ -817,7 +823,8 @@
           <a:p>
             <a:fld id="{B95846D0-04AA-4AEA-B066-EA3DAB98F00F}" type="datetimeFigureOut">
               <a:rPr lang="en-IE" smtClean="0"/>
-              <a:t>26/02/2015</a:t>
+              <a:pPr/>
+              <a:t>27/02/2015</a:t>
             </a:fld>
             <a:endParaRPr lang="en-IE"/>
           </a:p>
@@ -859,6 +866,7 @@
           <a:p>
             <a:fld id="{3F0843C2-5C4D-4D9A-B46B-2F846FCCF3BC}" type="slidenum">
               <a:rPr lang="en-IE" smtClean="0"/>
+              <a:pPr/>
               <a:t>‹#›</a:t>
             </a:fld>
             <a:endParaRPr lang="en-IE"/>
@@ -868,7 +876,7 @@
     </p:spTree>
     <p:extLst>
       <p:ext uri="{BB962C8B-B14F-4D97-AF65-F5344CB8AC3E}">
-        <p14:creationId xmlns:p14="http://schemas.microsoft.com/office/powerpoint/2010/main" val="2961623856"/>
+        <p14:creationId xmlns:p14="http://schemas.microsoft.com/office/powerpoint/2010/main" xmlns="" val="2961623856"/>
       </p:ext>
     </p:extLst>
   </p:cSld>
@@ -1063,7 +1071,8 @@
           <a:p>
             <a:fld id="{B95846D0-04AA-4AEA-B066-EA3DAB98F00F}" type="datetimeFigureOut">
               <a:rPr lang="en-IE" smtClean="0"/>
-              <a:t>26/02/2015</a:t>
+              <a:pPr/>
+              <a:t>27/02/2015</a:t>
             </a:fld>
             <a:endParaRPr lang="en-IE"/>
           </a:p>
@@ -1105,6 +1114,7 @@
           <a:p>
             <a:fld id="{3F0843C2-5C4D-4D9A-B46B-2F846FCCF3BC}" type="slidenum">
               <a:rPr lang="en-IE" smtClean="0"/>
+              <a:pPr/>
               <a:t>‹#›</a:t>
             </a:fld>
             <a:endParaRPr lang="en-IE"/>
@@ -1114,7 +1124,7 @@
     </p:spTree>
     <p:extLst>
       <p:ext uri="{BB962C8B-B14F-4D97-AF65-F5344CB8AC3E}">
-        <p14:creationId xmlns:p14="http://schemas.microsoft.com/office/powerpoint/2010/main" val="3787010125"/>
+        <p14:creationId xmlns:p14="http://schemas.microsoft.com/office/powerpoint/2010/main" xmlns="" val="3787010125"/>
       </p:ext>
     </p:extLst>
   </p:cSld>
@@ -1351,7 +1361,8 @@
           <a:p>
             <a:fld id="{B95846D0-04AA-4AEA-B066-EA3DAB98F00F}" type="datetimeFigureOut">
               <a:rPr lang="en-IE" smtClean="0"/>
-              <a:t>26/02/2015</a:t>
+              <a:pPr/>
+              <a:t>27/02/2015</a:t>
             </a:fld>
             <a:endParaRPr lang="en-IE"/>
           </a:p>
@@ -1393,6 +1404,7 @@
           <a:p>
             <a:fld id="{3F0843C2-5C4D-4D9A-B46B-2F846FCCF3BC}" type="slidenum">
               <a:rPr lang="en-IE" smtClean="0"/>
+              <a:pPr/>
               <a:t>‹#›</a:t>
             </a:fld>
             <a:endParaRPr lang="en-IE"/>
@@ -1402,7 +1414,7 @@
     </p:spTree>
     <p:extLst>
       <p:ext uri="{BB962C8B-B14F-4D97-AF65-F5344CB8AC3E}">
-        <p14:creationId xmlns:p14="http://schemas.microsoft.com/office/powerpoint/2010/main" val="1061682129"/>
+        <p14:creationId xmlns:p14="http://schemas.microsoft.com/office/powerpoint/2010/main" xmlns="" val="1061682129"/>
       </p:ext>
     </p:extLst>
   </p:cSld>
@@ -1773,7 +1785,8 @@
           <a:p>
             <a:fld id="{B95846D0-04AA-4AEA-B066-EA3DAB98F00F}" type="datetimeFigureOut">
               <a:rPr lang="en-IE" smtClean="0"/>
-              <a:t>26/02/2015</a:t>
+              <a:pPr/>
+              <a:t>27/02/2015</a:t>
             </a:fld>
             <a:endParaRPr lang="en-IE"/>
           </a:p>
@@ -1815,6 +1828,7 @@
           <a:p>
             <a:fld id="{3F0843C2-5C4D-4D9A-B46B-2F846FCCF3BC}" type="slidenum">
               <a:rPr lang="en-IE" smtClean="0"/>
+              <a:pPr/>
               <a:t>‹#›</a:t>
             </a:fld>
             <a:endParaRPr lang="en-IE"/>
@@ -1824,7 +1838,7 @@
     </p:spTree>
     <p:extLst>
       <p:ext uri="{BB962C8B-B14F-4D97-AF65-F5344CB8AC3E}">
-        <p14:creationId xmlns:p14="http://schemas.microsoft.com/office/powerpoint/2010/main" val="3388626213"/>
+        <p14:creationId xmlns:p14="http://schemas.microsoft.com/office/powerpoint/2010/main" xmlns="" val="3388626213"/>
       </p:ext>
     </p:extLst>
   </p:cSld>
@@ -1891,7 +1905,8 @@
           <a:p>
             <a:fld id="{B95846D0-04AA-4AEA-B066-EA3DAB98F00F}" type="datetimeFigureOut">
               <a:rPr lang="en-IE" smtClean="0"/>
-              <a:t>26/02/2015</a:t>
+              <a:pPr/>
+              <a:t>27/02/2015</a:t>
             </a:fld>
             <a:endParaRPr lang="en-IE"/>
           </a:p>
@@ -1933,6 +1948,7 @@
           <a:p>
             <a:fld id="{3F0843C2-5C4D-4D9A-B46B-2F846FCCF3BC}" type="slidenum">
               <a:rPr lang="en-IE" smtClean="0"/>
+              <a:pPr/>
               <a:t>‹#›</a:t>
             </a:fld>
             <a:endParaRPr lang="en-IE"/>
@@ -1942,7 +1958,7 @@
     </p:spTree>
     <p:extLst>
       <p:ext uri="{BB962C8B-B14F-4D97-AF65-F5344CB8AC3E}">
-        <p14:creationId xmlns:p14="http://schemas.microsoft.com/office/powerpoint/2010/main" val="3187284092"/>
+        <p14:creationId xmlns:p14="http://schemas.microsoft.com/office/powerpoint/2010/main" xmlns="" val="3187284092"/>
       </p:ext>
     </p:extLst>
   </p:cSld>
@@ -1986,7 +2002,8 @@
           <a:p>
             <a:fld id="{B95846D0-04AA-4AEA-B066-EA3DAB98F00F}" type="datetimeFigureOut">
               <a:rPr lang="en-IE" smtClean="0"/>
-              <a:t>26/02/2015</a:t>
+              <a:pPr/>
+              <a:t>27/02/2015</a:t>
             </a:fld>
             <a:endParaRPr lang="en-IE"/>
           </a:p>
@@ -2028,6 +2045,7 @@
           <a:p>
             <a:fld id="{3F0843C2-5C4D-4D9A-B46B-2F846FCCF3BC}" type="slidenum">
               <a:rPr lang="en-IE" smtClean="0"/>
+              <a:pPr/>
               <a:t>‹#›</a:t>
             </a:fld>
             <a:endParaRPr lang="en-IE"/>
@@ -2037,7 +2055,7 @@
     </p:spTree>
     <p:extLst>
       <p:ext uri="{BB962C8B-B14F-4D97-AF65-F5344CB8AC3E}">
-        <p14:creationId xmlns:p14="http://schemas.microsoft.com/office/powerpoint/2010/main" val="2026767370"/>
+        <p14:creationId xmlns:p14="http://schemas.microsoft.com/office/powerpoint/2010/main" xmlns="" val="2026767370"/>
       </p:ext>
     </p:extLst>
   </p:cSld>
@@ -2263,7 +2281,8 @@
           <a:p>
             <a:fld id="{B95846D0-04AA-4AEA-B066-EA3DAB98F00F}" type="datetimeFigureOut">
               <a:rPr lang="en-IE" smtClean="0"/>
-              <a:t>26/02/2015</a:t>
+              <a:pPr/>
+              <a:t>27/02/2015</a:t>
             </a:fld>
             <a:endParaRPr lang="en-IE"/>
           </a:p>
@@ -2305,6 +2324,7 @@
           <a:p>
             <a:fld id="{3F0843C2-5C4D-4D9A-B46B-2F846FCCF3BC}" type="slidenum">
               <a:rPr lang="en-IE" smtClean="0"/>
+              <a:pPr/>
               <a:t>‹#›</a:t>
             </a:fld>
             <a:endParaRPr lang="en-IE"/>
@@ -2314,7 +2334,7 @@
     </p:spTree>
     <p:extLst>
       <p:ext uri="{BB962C8B-B14F-4D97-AF65-F5344CB8AC3E}">
-        <p14:creationId xmlns:p14="http://schemas.microsoft.com/office/powerpoint/2010/main" val="1835230995"/>
+        <p14:creationId xmlns:p14="http://schemas.microsoft.com/office/powerpoint/2010/main" xmlns="" val="1835230995"/>
       </p:ext>
     </p:extLst>
   </p:cSld>
@@ -2516,7 +2536,8 @@
           <a:p>
             <a:fld id="{B95846D0-04AA-4AEA-B066-EA3DAB98F00F}" type="datetimeFigureOut">
               <a:rPr lang="en-IE" smtClean="0"/>
-              <a:t>26/02/2015</a:t>
+              <a:pPr/>
+              <a:t>27/02/2015</a:t>
             </a:fld>
             <a:endParaRPr lang="en-IE"/>
           </a:p>
@@ -2558,6 +2579,7 @@
           <a:p>
             <a:fld id="{3F0843C2-5C4D-4D9A-B46B-2F846FCCF3BC}" type="slidenum">
               <a:rPr lang="en-IE" smtClean="0"/>
+              <a:pPr/>
               <a:t>‹#›</a:t>
             </a:fld>
             <a:endParaRPr lang="en-IE"/>
@@ -2567,7 +2589,7 @@
     </p:spTree>
     <p:extLst>
       <p:ext uri="{BB962C8B-B14F-4D97-AF65-F5344CB8AC3E}">
-        <p14:creationId xmlns:p14="http://schemas.microsoft.com/office/powerpoint/2010/main" val="3833286711"/>
+        <p14:creationId xmlns:p14="http://schemas.microsoft.com/office/powerpoint/2010/main" xmlns="" val="3833286711"/>
       </p:ext>
     </p:extLst>
   </p:cSld>
@@ -2582,11 +2604,16 @@
   <p:cSld>
     <p:bg>
       <p:bgPr>
-        <a:solidFill>
-          <a:schemeClr val="accent1">
-            <a:lumMod val="75000"/>
-          </a:schemeClr>
-        </a:solidFill>
+        <a:blipFill dpi="0" rotWithShape="1">
+          <a:blip r:embed="rId13" cstate="print">
+            <a:alphaModFix amt="20000"/>
+            <a:lum/>
+          </a:blip>
+          <a:srcRect/>
+          <a:stretch>
+            <a:fillRect t="-36000" b="-36000"/>
+          </a:stretch>
+        </a:blipFill>
         <a:effectLst/>
       </p:bgPr>
     </p:bg>
@@ -2734,7 +2761,8 @@
           <a:p>
             <a:fld id="{B95846D0-04AA-4AEA-B066-EA3DAB98F00F}" type="datetimeFigureOut">
               <a:rPr lang="en-IE" smtClean="0"/>
-              <a:t>26/02/2015</a:t>
+              <a:pPr/>
+              <a:t>27/02/2015</a:t>
             </a:fld>
             <a:endParaRPr lang="en-IE"/>
           </a:p>
@@ -2812,6 +2840,7 @@
           <a:p>
             <a:fld id="{3F0843C2-5C4D-4D9A-B46B-2F846FCCF3BC}" type="slidenum">
               <a:rPr lang="en-IE" smtClean="0"/>
+              <a:pPr/>
               <a:t>‹#›</a:t>
             </a:fld>
             <a:endParaRPr lang="en-IE"/>
@@ -2821,7 +2850,7 @@
     </p:spTree>
     <p:extLst>
       <p:ext uri="{BB962C8B-B14F-4D97-AF65-F5344CB8AC3E}">
-        <p14:creationId xmlns:p14="http://schemas.microsoft.com/office/powerpoint/2010/main" val="4247243017"/>
+        <p14:creationId xmlns:p14="http://schemas.microsoft.com/office/powerpoint/2010/main" xmlns="" val="4247243017"/>
       </p:ext>
     </p:extLst>
   </p:cSld>
@@ -3119,16 +3148,27 @@
             <p:ph type="ctrTitle"/>
           </p:nvPr>
         </p:nvSpPr>
-        <p:spPr/>
-        <p:txBody>
-          <a:bodyPr/>
-          <a:lstStyle/>
-          <a:p>
-            <a:r>
-              <a:rPr lang="en-US" dirty="0" smtClean="0"/>
+        <p:spPr>
+          <a:xfrm>
+            <a:off x="611560" y="1268761"/>
+            <a:ext cx="7846640" cy="2331690"/>
+          </a:xfrm>
+        </p:spPr>
+        <p:txBody>
+          <a:bodyPr>
+            <a:noAutofit/>
+          </a:bodyPr>
+          <a:lstStyle/>
+          <a:p>
+            <a:r>
+              <a:rPr lang="en-US" sz="9600" dirty="0" smtClean="0">
+                <a:latin typeface="FANTASTIC FOUR MOVIE SLANT" pitchFamily="2" charset="0"/>
+              </a:rPr>
               <a:t>Fantastic 5</a:t>
             </a:r>
-            <a:endParaRPr lang="en-IE" dirty="0"/>
+            <a:endParaRPr lang="en-IE" sz="9600" dirty="0">
+              <a:latin typeface="FANTASTIC FOUR MOVIE SLANT" pitchFamily="2" charset="0"/>
+            </a:endParaRPr>
           </a:p>
         </p:txBody>
       </p:sp>
@@ -3160,15 +3200,7 @@
                   <a:schemeClr val="tx1"/>
                 </a:solidFill>
               </a:rPr>
-              <a:t>“Refreshingly innovative</a:t>
-            </a:r>
-            <a:r>
-              <a:rPr lang="en-US" sz="2000" i="1" dirty="0" smtClean="0">
-                <a:solidFill>
-                  <a:schemeClr val="tx1"/>
-                </a:solidFill>
-              </a:rPr>
-              <a:t>…”</a:t>
+              <a:t>“Refreshingly innovative…”</a:t>
             </a:r>
           </a:p>
           <a:p>
@@ -3237,7 +3269,7 @@
     </p:spTree>
     <p:extLst>
       <p:ext uri="{BB962C8B-B14F-4D97-AF65-F5344CB8AC3E}">
-        <p14:creationId xmlns:p14="http://schemas.microsoft.com/office/powerpoint/2010/main" val="3841481824"/>
+        <p14:creationId xmlns:p14="http://schemas.microsoft.com/office/powerpoint/2010/main" xmlns="" val="3841481824"/>
       </p:ext>
     </p:extLst>
   </p:cSld>
@@ -3316,7 +3348,7 @@
     </p:spTree>
     <p:extLst>
       <p:ext uri="{BB962C8B-B14F-4D97-AF65-F5344CB8AC3E}">
-        <p14:creationId xmlns:p14="http://schemas.microsoft.com/office/powerpoint/2010/main" val="2890977984"/>
+        <p14:creationId xmlns:p14="http://schemas.microsoft.com/office/powerpoint/2010/main" xmlns="" val="2890977984"/>
       </p:ext>
     </p:extLst>
   </p:cSld>
@@ -3382,12 +3414,12 @@
           <a:lstStyle/>
           <a:p>
             <a:r>
-              <a:rPr lang="en-US" dirty="0"/>
-              <a:t> </a:t>
-            </a:r>
-            <a:r>
               <a:rPr lang="en-US" dirty="0" smtClean="0"/>
-              <a:t>Agile VS Waterfall</a:t>
+              <a:t>Agile </a:t>
+            </a:r>
+            <a:r>
+              <a:rPr lang="en-US" dirty="0" smtClean="0"/>
+              <a:t>VS Waterfall</a:t>
             </a:r>
           </a:p>
           <a:p>
@@ -3414,7 +3446,7 @@
     </p:spTree>
     <p:extLst>
       <p:ext uri="{BB962C8B-B14F-4D97-AF65-F5344CB8AC3E}">
-        <p14:creationId xmlns:p14="http://schemas.microsoft.com/office/powerpoint/2010/main" val="31226942"/>
+        <p14:creationId xmlns:p14="http://schemas.microsoft.com/office/powerpoint/2010/main" xmlns="" val="31226942"/>
       </p:ext>
     </p:extLst>
   </p:cSld>
@@ -3460,7 +3492,9 @@
         </p:nvSpPr>
         <p:spPr/>
         <p:txBody>
-          <a:bodyPr/>
+          <a:bodyPr>
+            <a:normAutofit/>
+          </a:bodyPr>
           <a:lstStyle/>
           <a:p>
             <a:r>
@@ -3488,7 +3522,15 @@
           <a:p>
             <a:r>
               <a:rPr lang="en-US" dirty="0" smtClean="0"/>
-              <a:t>Moves through 8 steps as time progresses</a:t>
+              <a:t>Moves through </a:t>
+            </a:r>
+            <a:r>
+              <a:rPr lang="en-US" dirty="0" smtClean="0"/>
+              <a:t>various </a:t>
+            </a:r>
+            <a:r>
+              <a:rPr lang="en-US" dirty="0" smtClean="0"/>
+              <a:t>steps as time progresses</a:t>
             </a:r>
           </a:p>
           <a:p>
@@ -3508,7 +3550,7 @@
     </p:spTree>
     <p:extLst>
       <p:ext uri="{BB962C8B-B14F-4D97-AF65-F5344CB8AC3E}">
-        <p14:creationId xmlns:p14="http://schemas.microsoft.com/office/powerpoint/2010/main" val="733524753"/>
+        <p14:creationId xmlns:p14="http://schemas.microsoft.com/office/powerpoint/2010/main" xmlns="" val="733524753"/>
       </p:ext>
     </p:extLst>
   </p:cSld>
@@ -3558,10 +3600,14 @@
           <a:lstStyle/>
           <a:p>
             <a:r>
-              <a:rPr lang="en-US" dirty="0" smtClean="0"/>
-              <a:t>Diagram</a:t>
-            </a:r>
-            <a:endParaRPr lang="en-IE" dirty="0"/>
+              <a:rPr lang="en-US" dirty="0" smtClean="0">
+                <a:latin typeface="Comic Sans MS" pitchFamily="66" charset="0"/>
+              </a:rPr>
+              <a:t>Why/Why Not?</a:t>
+            </a:r>
+            <a:endParaRPr lang="en-IE" dirty="0">
+              <a:latin typeface="Comic Sans MS" pitchFamily="66" charset="0"/>
+            </a:endParaRPr>
           </a:p>
         </p:txBody>
       </p:sp>
@@ -3580,6 +3626,12 @@
           <a:bodyPr/>
           <a:lstStyle/>
           <a:p>
+            <a:endParaRPr lang="en-US" dirty="0" smtClean="0"/>
+          </a:p>
+          <a:p>
+            <a:pPr marL="0" indent="0">
+              <a:buNone/>
+            </a:pPr>
             <a:endParaRPr lang="en-US" dirty="0" smtClean="0"/>
           </a:p>
           <a:p>
@@ -3590,7 +3642,7 @@
     </p:spTree>
     <p:extLst>
       <p:ext uri="{BB962C8B-B14F-4D97-AF65-F5344CB8AC3E}">
-        <p14:creationId xmlns:p14="http://schemas.microsoft.com/office/powerpoint/2010/main" val="4214574772"/>
+        <p14:creationId xmlns:p14="http://schemas.microsoft.com/office/powerpoint/2010/main" xmlns="" val="2349922938"/>
       </p:ext>
     </p:extLst>
   </p:cSld>
@@ -3610,6 +3662,14 @@
 <file path=ppt/slides/slide5.xml><?xml version="1.0" encoding="utf-8"?>
 <p:sld xmlns:a="http://schemas.openxmlformats.org/drawingml/2006/main" xmlns:r="http://schemas.openxmlformats.org/officeDocument/2006/relationships" xmlns:p="http://schemas.openxmlformats.org/presentationml/2006/main">
   <p:cSld>
+    <p:bg>
+      <p:bgPr>
+        <a:solidFill>
+          <a:schemeClr val="bg1"/>
+        </a:solidFill>
+        <a:effectLst/>
+      </p:bgPr>
+    </p:bg>
     <p:spTree>
       <p:nvGrpSpPr>
         <p:cNvPr id="1" name=""/>
@@ -3641,7 +3701,7 @@
           <a:p>
             <a:r>
               <a:rPr lang="en-US" dirty="0" smtClean="0"/>
-              <a:t>Why/Why Not?</a:t>
+              <a:t>Diagram</a:t>
             </a:r>
             <a:endParaRPr lang="en-IE" dirty="0"/>
           </a:p>
@@ -3665,20 +3725,38 @@
             <a:endParaRPr lang="en-US" dirty="0" smtClean="0"/>
           </a:p>
           <a:p>
-            <a:pPr marL="0" indent="0">
-              <a:buNone/>
-            </a:pPr>
-            <a:endParaRPr lang="en-US" dirty="0" smtClean="0"/>
-          </a:p>
-          <a:p>
             <a:endParaRPr lang="en-IE" dirty="0"/>
           </a:p>
         </p:txBody>
       </p:sp>
+      <p:pic>
+        <p:nvPicPr>
+          <p:cNvPr id="4" name="Picture 3" descr="waterfall.GIF"/>
+          <p:cNvPicPr>
+            <a:picLocks noChangeAspect="1"/>
+          </p:cNvPicPr>
+          <p:nvPr/>
+        </p:nvPicPr>
+        <p:blipFill>
+          <a:blip r:embed="rId2" cstate="print"/>
+          <a:stretch>
+            <a:fillRect/>
+          </a:stretch>
+        </p:blipFill>
+        <p:spPr>
+          <a:xfrm>
+            <a:off x="1619672" y="1182207"/>
+            <a:ext cx="5904656" cy="5675793"/>
+          </a:xfrm>
+          <a:prstGeom prst="rect">
+            <a:avLst/>
+          </a:prstGeom>
+        </p:spPr>
+      </p:pic>
     </p:spTree>
     <p:extLst>
       <p:ext uri="{BB962C8B-B14F-4D97-AF65-F5344CB8AC3E}">
-        <p14:creationId xmlns:p14="http://schemas.microsoft.com/office/powerpoint/2010/main" val="2349922938"/>
+        <p14:creationId xmlns:p14="http://schemas.microsoft.com/office/powerpoint/2010/main" xmlns="" val="4214574772"/>
       </p:ext>
     </p:extLst>
   </p:cSld>
@@ -3754,14 +3832,12 @@
               <a:rPr lang="en-US" dirty="0" smtClean="0"/>
               <a:t>Developed as a response to waterfall</a:t>
             </a:r>
-            <a:endParaRPr lang="en-US" dirty="0" smtClean="0"/>
           </a:p>
           <a:p>
             <a:r>
               <a:rPr lang="en-US" dirty="0" smtClean="0"/>
               <a:t>Works with small modules in sprints</a:t>
             </a:r>
-            <a:endParaRPr lang="en-US" dirty="0" smtClean="0"/>
           </a:p>
           <a:p>
             <a:r>
@@ -3775,7 +3851,7 @@
     </p:spTree>
     <p:extLst>
       <p:ext uri="{BB962C8B-B14F-4D97-AF65-F5344CB8AC3E}">
-        <p14:creationId xmlns:p14="http://schemas.microsoft.com/office/powerpoint/2010/main" val="1302850806"/>
+        <p14:creationId xmlns:p14="http://schemas.microsoft.com/office/powerpoint/2010/main" xmlns="" val="1302850806"/>
       </p:ext>
     </p:extLst>
   </p:cSld>
@@ -3826,7 +3902,7 @@
           <a:p>
             <a:r>
               <a:rPr lang="en-GB" dirty="0" smtClean="0"/>
-              <a:t>Diagram</a:t>
+              <a:t>Why/Why Not?</a:t>
             </a:r>
             <a:endParaRPr lang="en-IE" dirty="0"/>
           </a:p>
@@ -3854,19 +3930,34 @@
     </p:spTree>
     <p:extLst>
       <p:ext uri="{BB962C8B-B14F-4D97-AF65-F5344CB8AC3E}">
-        <p14:creationId xmlns:p14="http://schemas.microsoft.com/office/powerpoint/2010/main" val="3775642845"/>
+        <p14:creationId xmlns:p14="http://schemas.microsoft.com/office/powerpoint/2010/main" xmlns="" val="4132217843"/>
       </p:ext>
     </p:extLst>
   </p:cSld>
   <p:clrMapOvr>
     <a:masterClrMapping/>
   </p:clrMapOvr>
+  <p:timing>
+    <p:tnLst>
+      <p:par>
+        <p:cTn id="1" dur="indefinite" restart="never" nodeType="tmRoot"/>
+      </p:par>
+    </p:tnLst>
+  </p:timing>
 </p:sld>
 </file>
 
 <file path=ppt/slides/slide8.xml><?xml version="1.0" encoding="utf-8"?>
 <p:sld xmlns:a="http://schemas.openxmlformats.org/drawingml/2006/main" xmlns:r="http://schemas.openxmlformats.org/officeDocument/2006/relationships" xmlns:p="http://schemas.openxmlformats.org/presentationml/2006/main">
   <p:cSld>
+    <p:bg>
+      <p:bgPr>
+        <a:solidFill>
+          <a:schemeClr val="bg1"/>
+        </a:solidFill>
+        <a:effectLst/>
+      </p:bgPr>
+    </p:bg>
     <p:spTree>
       <p:nvGrpSpPr>
         <p:cNvPr id="1" name=""/>
@@ -3898,41 +3989,52 @@
           <a:p>
             <a:r>
               <a:rPr lang="en-GB" dirty="0" smtClean="0"/>
-              <a:t>Why/Why Not?</a:t>
+              <a:t>Diagram</a:t>
             </a:r>
             <a:endParaRPr lang="en-IE" dirty="0"/>
           </a:p>
         </p:txBody>
       </p:sp>
-      <p:sp>
-        <p:nvSpPr>
-          <p:cNvPr id="3" name="Content Placeholder 2"/>
-          <p:cNvSpPr>
-            <a:spLocks noGrp="1"/>
-          </p:cNvSpPr>
+      <p:pic>
+        <p:nvPicPr>
+          <p:cNvPr id="4" name="Content Placeholder 3" descr="powerpoint_slide_designs_corporate_competition_scrum_process_ppt_slides_1.jpg"/>
+          <p:cNvPicPr>
+            <a:picLocks noGrp="1" noChangeAspect="1"/>
+          </p:cNvPicPr>
           <p:nvPr>
             <p:ph idx="1"/>
           </p:nvPr>
-        </p:nvSpPr>
-        <p:spPr/>
-        <p:txBody>
-          <a:bodyPr/>
-          <a:lstStyle/>
-          <a:p>
-            <a:endParaRPr lang="en-IE"/>
-          </a:p>
-        </p:txBody>
-      </p:sp>
+        </p:nvPicPr>
+        <p:blipFill>
+          <a:blip r:embed="rId2" cstate="print"/>
+          <a:stretch>
+            <a:fillRect/>
+          </a:stretch>
+        </p:blipFill>
+        <p:spPr>
+          <a:xfrm>
+            <a:off x="0" y="1235068"/>
+            <a:ext cx="9136165" cy="5617172"/>
+          </a:xfrm>
+        </p:spPr>
+      </p:pic>
     </p:spTree>
     <p:extLst>
       <p:ext uri="{BB962C8B-B14F-4D97-AF65-F5344CB8AC3E}">
-        <p14:creationId xmlns:p14="http://schemas.microsoft.com/office/powerpoint/2010/main" val="4132217843"/>
+        <p14:creationId xmlns:p14="http://schemas.microsoft.com/office/powerpoint/2010/main" xmlns="" val="3775642845"/>
       </p:ext>
     </p:extLst>
   </p:cSld>
   <p:clrMapOvr>
     <a:masterClrMapping/>
   </p:clrMapOvr>
+  <p:timing>
+    <p:tnLst>
+      <p:par>
+        <p:cTn id="1" dur="indefinite" restart="never" nodeType="tmRoot"/>
+      </p:par>
+    </p:tnLst>
+  </p:timing>
 </p:sld>
 </file>
 
@@ -4014,7 +4116,7 @@
     </p:spTree>
     <p:extLst>
       <p:ext uri="{BB962C8B-B14F-4D97-AF65-F5344CB8AC3E}">
-        <p14:creationId xmlns:p14="http://schemas.microsoft.com/office/powerpoint/2010/main" val="1027412859"/>
+        <p14:creationId xmlns:p14="http://schemas.microsoft.com/office/powerpoint/2010/main" xmlns="" val="1027412859"/>
       </p:ext>
     </p:extLst>
   </p:cSld>
